--- a/speaker-poster/ppt/Aditi Ahuja.pptx
+++ b/speaker-poster/ppt/Aditi Ahuja.pptx
@@ -261,7 +261,7 @@
           <a:p>
             <a:fld id="{4734258E-F4BA-40A9-ADC0-291CE1545D60}" type="datetimeFigureOut">
               <a:rPr lang="en-IN" smtClean="0"/>
-              <a:t>22-08-2021</a:t>
+              <a:t>23-08-2021</a:t>
             </a:fld>
             <a:endParaRPr lang="en-IN"/>
           </a:p>
@@ -461,7 +461,7 @@
           <a:p>
             <a:fld id="{4734258E-F4BA-40A9-ADC0-291CE1545D60}" type="datetimeFigureOut">
               <a:rPr lang="en-IN" smtClean="0"/>
-              <a:t>22-08-2021</a:t>
+              <a:t>23-08-2021</a:t>
             </a:fld>
             <a:endParaRPr lang="en-IN"/>
           </a:p>
@@ -671,7 +671,7 @@
           <a:p>
             <a:fld id="{4734258E-F4BA-40A9-ADC0-291CE1545D60}" type="datetimeFigureOut">
               <a:rPr lang="en-IN" smtClean="0"/>
-              <a:t>22-08-2021</a:t>
+              <a:t>23-08-2021</a:t>
             </a:fld>
             <a:endParaRPr lang="en-IN"/>
           </a:p>
@@ -871,7 +871,7 @@
           <a:p>
             <a:fld id="{4734258E-F4BA-40A9-ADC0-291CE1545D60}" type="datetimeFigureOut">
               <a:rPr lang="en-IN" smtClean="0"/>
-              <a:t>22-08-2021</a:t>
+              <a:t>23-08-2021</a:t>
             </a:fld>
             <a:endParaRPr lang="en-IN"/>
           </a:p>
@@ -1147,7 +1147,7 @@
           <a:p>
             <a:fld id="{4734258E-F4BA-40A9-ADC0-291CE1545D60}" type="datetimeFigureOut">
               <a:rPr lang="en-IN" smtClean="0"/>
-              <a:t>22-08-2021</a:t>
+              <a:t>23-08-2021</a:t>
             </a:fld>
             <a:endParaRPr lang="en-IN"/>
           </a:p>
@@ -1415,7 +1415,7 @@
           <a:p>
             <a:fld id="{4734258E-F4BA-40A9-ADC0-291CE1545D60}" type="datetimeFigureOut">
               <a:rPr lang="en-IN" smtClean="0"/>
-              <a:t>22-08-2021</a:t>
+              <a:t>23-08-2021</a:t>
             </a:fld>
             <a:endParaRPr lang="en-IN"/>
           </a:p>
@@ -1830,7 +1830,7 @@
           <a:p>
             <a:fld id="{4734258E-F4BA-40A9-ADC0-291CE1545D60}" type="datetimeFigureOut">
               <a:rPr lang="en-IN" smtClean="0"/>
-              <a:t>22-08-2021</a:t>
+              <a:t>23-08-2021</a:t>
             </a:fld>
             <a:endParaRPr lang="en-IN"/>
           </a:p>
@@ -1972,7 +1972,7 @@
           <a:p>
             <a:fld id="{4734258E-F4BA-40A9-ADC0-291CE1545D60}" type="datetimeFigureOut">
               <a:rPr lang="en-IN" smtClean="0"/>
-              <a:t>22-08-2021</a:t>
+              <a:t>23-08-2021</a:t>
             </a:fld>
             <a:endParaRPr lang="en-IN"/>
           </a:p>
@@ -2085,7 +2085,7 @@
           <a:p>
             <a:fld id="{4734258E-F4BA-40A9-ADC0-291CE1545D60}" type="datetimeFigureOut">
               <a:rPr lang="en-IN" smtClean="0"/>
-              <a:t>22-08-2021</a:t>
+              <a:t>23-08-2021</a:t>
             </a:fld>
             <a:endParaRPr lang="en-IN"/>
           </a:p>
@@ -2398,7 +2398,7 @@
           <a:p>
             <a:fld id="{4734258E-F4BA-40A9-ADC0-291CE1545D60}" type="datetimeFigureOut">
               <a:rPr lang="en-IN" smtClean="0"/>
-              <a:t>22-08-2021</a:t>
+              <a:t>23-08-2021</a:t>
             </a:fld>
             <a:endParaRPr lang="en-IN"/>
           </a:p>
@@ -2687,7 +2687,7 @@
           <a:p>
             <a:fld id="{4734258E-F4BA-40A9-ADC0-291CE1545D60}" type="datetimeFigureOut">
               <a:rPr lang="en-IN" smtClean="0"/>
-              <a:t>22-08-2021</a:t>
+              <a:t>23-08-2021</a:t>
             </a:fld>
             <a:endParaRPr lang="en-IN"/>
           </a:p>
@@ -2930,7 +2930,7 @@
           <a:p>
             <a:fld id="{4734258E-F4BA-40A9-ADC0-291CE1545D60}" type="datetimeFigureOut">
               <a:rPr lang="en-IN" smtClean="0"/>
-              <a:t>22-08-2021</a:t>
+              <a:t>23-08-2021</a:t>
             </a:fld>
             <a:endParaRPr lang="en-IN"/>
           </a:p>
@@ -3585,42 +3585,6 @@
           </a:prstGeom>
         </p:spPr>
       </p:pic>
-      <p:pic>
-        <p:nvPicPr>
-          <p:cNvPr id="7" name="Picture 6" descr="Logo&#10;&#10;Description automatically generated">
-            <a:extLst>
-              <a:ext uri="{FF2B5EF4-FFF2-40B4-BE49-F238E27FC236}">
-                <a16:creationId xmlns:a16="http://schemas.microsoft.com/office/drawing/2014/main" id="{46A59ABA-9114-466A-8813-85122375EB75}"/>
-              </a:ext>
-            </a:extLst>
-          </p:cNvPr>
-          <p:cNvPicPr>
-            <a:picLocks noChangeAspect="1"/>
-          </p:cNvPicPr>
-          <p:nvPr/>
-        </p:nvPicPr>
-        <p:blipFill>
-          <a:blip r:embed="rId7">
-            <a:extLst>
-              <a:ext uri="{28A0092B-C50C-407E-A947-70E740481C1C}">
-                <a14:useLocalDpi xmlns:a14="http://schemas.microsoft.com/office/drawing/2010/main" val="0"/>
-              </a:ext>
-            </a:extLst>
-          </a:blip>
-          <a:stretch>
-            <a:fillRect/>
-          </a:stretch>
-        </p:blipFill>
-        <p:spPr>
-          <a:xfrm>
-            <a:off x="302550" y="3569204"/>
-            <a:ext cx="259670" cy="259670"/>
-          </a:xfrm>
-          <a:prstGeom prst="rect">
-            <a:avLst/>
-          </a:prstGeom>
-        </p:spPr>
-      </p:pic>
       <p:sp>
         <p:nvSpPr>
           <p:cNvPr id="10" name="TextBox 9">
@@ -3650,7 +3614,7 @@
           <a:lstStyle/>
           <a:p>
             <a:r>
-              <a:rPr lang="en-US" sz="1050" dirty="0" err="1">
+              <a:rPr lang="en-US" sz="1050" dirty="0">
                 <a:solidFill>
                   <a:schemeClr val="tx1">
                     <a:lumMod val="50000"/>
@@ -3658,7 +3622,7 @@
                   </a:schemeClr>
                 </a:solidFill>
               </a:rPr>
-              <a:t>AditiAhuja</a:t>
+              <a:t>metonymic-smokey</a:t>
             </a:r>
             <a:endParaRPr lang="en-IN" sz="1050" dirty="0">
               <a:solidFill>
@@ -3686,7 +3650,7 @@
           <p:nvPr/>
         </p:nvPicPr>
         <p:blipFill>
-          <a:blip r:embed="rId8"/>
+          <a:blip r:embed="rId7"/>
           <a:stretch>
             <a:fillRect/>
           </a:stretch>
@@ -3763,7 +3727,7 @@
           <p:nvPr/>
         </p:nvPicPr>
         <p:blipFill rotWithShape="1">
-          <a:blip r:embed="rId9">
+          <a:blip r:embed="rId8">
             <a:alphaModFix amt="71000"/>
             <a:extLst>
               <a:ext uri="{28A0092B-C50C-407E-A947-70E740481C1C}">
@@ -4067,6 +4031,51 @@
           </a:p>
         </p:txBody>
       </p:sp>
+      <p:pic>
+        <p:nvPicPr>
+          <p:cNvPr id="9" name="Picture 8" descr="Logo&#10;&#10;Description automatically generated">
+            <a:extLst>
+              <a:ext uri="{FF2B5EF4-FFF2-40B4-BE49-F238E27FC236}">
+                <a16:creationId xmlns:a16="http://schemas.microsoft.com/office/drawing/2014/main" id="{25D702F0-5533-4833-AA4A-602B1CB47BE8}"/>
+              </a:ext>
+            </a:extLst>
+          </p:cNvPr>
+          <p:cNvPicPr>
+            <a:picLocks noChangeAspect="1"/>
+          </p:cNvPicPr>
+          <p:nvPr/>
+        </p:nvPicPr>
+        <p:blipFill>
+          <a:blip r:embed="rId9">
+            <a:extLst>
+              <a:ext uri="{BEBA8EAE-BF5A-486C-A8C5-ECC9F3942E4B}">
+                <a14:imgProps xmlns:a14="http://schemas.microsoft.com/office/drawing/2010/main">
+                  <a14:imgLayer r:embed="rId10">
+                    <a14:imgEffect>
+                      <a14:backgroundRemoval t="10000" b="90000" l="10000" r="90000"/>
+                    </a14:imgEffect>
+                  </a14:imgLayer>
+                </a14:imgProps>
+              </a:ext>
+              <a:ext uri="{28A0092B-C50C-407E-A947-70E740481C1C}">
+                <a14:useLocalDpi xmlns:a14="http://schemas.microsoft.com/office/drawing/2010/main" val="0"/>
+              </a:ext>
+            </a:extLst>
+          </a:blip>
+          <a:stretch>
+            <a:fillRect/>
+          </a:stretch>
+        </p:blipFill>
+        <p:spPr>
+          <a:xfrm>
+            <a:off x="231196" y="3590078"/>
+            <a:ext cx="421463" cy="239766"/>
+          </a:xfrm>
+          <a:prstGeom prst="rect">
+            <a:avLst/>
+          </a:prstGeom>
+        </p:spPr>
+      </p:pic>
     </p:spTree>
     <p:extLst>
       <p:ext uri="{BB962C8B-B14F-4D97-AF65-F5344CB8AC3E}">
